--- a/Presentación final.pptx
+++ b/Presentación final.pptx
@@ -23,7 +23,7 @@
   <p:notesSz cx="8229600" cy="14630400"/>
   <p:embeddedFontLst>
     <p:embeddedFont>
-      <p:font typeface="Tomorrow" panose="020B0604020202020204" charset="0"/>
+      <p:font typeface="Tomorrow Semi Bold" panose="020B0604020202020204" charset="0"/>
       <p:regular r:id="rId13"/>
     </p:embeddedFont>
     <p:embeddedFont>
@@ -34,7 +34,7 @@
       <p:boldItalic r:id="rId17"/>
     </p:embeddedFont>
     <p:embeddedFont>
-      <p:font typeface="Tomorrow Semi Bold" panose="020B0604020202020204" charset="0"/>
+      <p:font typeface="Tomorrow" panose="020B0604020202020204" charset="0"/>
       <p:regular r:id="rId18"/>
     </p:embeddedFont>
   </p:embeddedFontLst>
@@ -2155,7 +2155,7 @@
         </p:blipFill>
         <p:spPr>
           <a:xfrm>
-            <a:off x="1437787" y="1341415"/>
+            <a:off x="1497823" y="1274688"/>
             <a:ext cx="11468143" cy="5589155"/>
           </a:xfrm>
           <a:prstGeom prst="rect">
